--- a/slides/klasse15.pptx
+++ b/slides/klasse15.pptx
@@ -10,10 +10,12 @@
     <p:sldId id="258" r:id="rId4"/>
     <p:sldId id="259" r:id="rId5"/>
     <p:sldId id="260" r:id="rId6"/>
-    <p:sldId id="261" r:id="rId7"/>
-    <p:sldId id="262" r:id="rId8"/>
-    <p:sldId id="263" r:id="rId9"/>
-    <p:sldId id="264" r:id="rId10"/>
+    <p:sldId id="266" r:id="rId7"/>
+    <p:sldId id="261" r:id="rId8"/>
+    <p:sldId id="262" r:id="rId9"/>
+    <p:sldId id="263" r:id="rId10"/>
+    <p:sldId id="264" r:id="rId11"/>
+    <p:sldId id="265" r:id="rId12"/>
   </p:sldIdLst>
   <p:sldSz cx="12192000" cy="6858000"/>
   <p:notesSz cx="6858000" cy="9144000"/>
@@ -5387,6 +5389,592 @@
 </p:sld>
 </file>
 
+<file path=ppt/slides/slide10.xml><?xml version="1.0" encoding="utf-8"?>
+<p:sld xmlns:a="http://schemas.openxmlformats.org/drawingml/2006/main" xmlns:r="http://schemas.openxmlformats.org/officeDocument/2006/relationships" xmlns:p="http://schemas.openxmlformats.org/presentationml/2006/main">
+  <p:cSld>
+    <p:spTree>
+      <p:nvGrpSpPr>
+        <p:cNvPr id="1" name=""/>
+        <p:cNvGrpSpPr/>
+        <p:nvPr/>
+      </p:nvGrpSpPr>
+      <p:grpSpPr>
+        <a:xfrm>
+          <a:off x="0" y="0"/>
+          <a:ext cx="0" cy="0"/>
+          <a:chOff x="0" y="0"/>
+          <a:chExt cx="0" cy="0"/>
+        </a:xfrm>
+      </p:grpSpPr>
+      <p:sp>
+        <p:nvSpPr>
+          <p:cNvPr id="2" name="Title 1"/>
+          <p:cNvSpPr>
+            <a:spLocks noGrp="1"/>
+          </p:cNvSpPr>
+          <p:nvPr>
+            <p:ph type="title"/>
+          </p:nvPr>
+        </p:nvSpPr>
+        <p:spPr/>
+        <p:txBody>
+          <a:bodyPr/>
+          <a:lstStyle/>
+          <a:p>
+            <a:r>
+              <a:rPr lang="en-GB" dirty="0" smtClean="0"/>
+              <a:t>Largest and smallest cities by state</a:t>
+            </a:r>
+            <a:endParaRPr lang="en-GB" dirty="0"/>
+          </a:p>
+        </p:txBody>
+      </p:sp>
+      <p:sp>
+        <p:nvSpPr>
+          <p:cNvPr id="3" name="Text Placeholder 2"/>
+          <p:cNvSpPr>
+            <a:spLocks noGrp="1"/>
+          </p:cNvSpPr>
+          <p:nvPr>
+            <p:ph type="body" idx="1"/>
+          </p:nvPr>
+        </p:nvSpPr>
+        <p:spPr/>
+        <p:txBody>
+          <a:bodyPr/>
+          <a:lstStyle/>
+          <a:p>
+            <a:r>
+              <a:rPr lang="en-GB" dirty="0" smtClean="0"/>
+              <a:t>Stages</a:t>
+            </a:r>
+            <a:endParaRPr lang="en-GB" dirty="0"/>
+          </a:p>
+        </p:txBody>
+      </p:sp>
+      <p:sp>
+        <p:nvSpPr>
+          <p:cNvPr id="4" name="Content Placeholder 3"/>
+          <p:cNvSpPr>
+            <a:spLocks noGrp="1"/>
+          </p:cNvSpPr>
+          <p:nvPr>
+            <p:ph sz="half" idx="2"/>
+          </p:nvPr>
+        </p:nvSpPr>
+        <p:spPr/>
+        <p:txBody>
+          <a:bodyPr/>
+          <a:lstStyle/>
+          <a:p>
+            <a:r>
+              <a:rPr lang="en-GB" dirty="0" smtClean="0"/>
+              <a:t>Get the population per city and state</a:t>
+            </a:r>
+          </a:p>
+          <a:p>
+            <a:r>
+              <a:rPr lang="en-GB" dirty="0" smtClean="0"/>
+              <a:t>Order the result set by population ascending</a:t>
+            </a:r>
+          </a:p>
+          <a:p>
+            <a:r>
+              <a:rPr lang="en-GB" dirty="0" smtClean="0"/>
+              <a:t>Get the first and last cities from each state</a:t>
+            </a:r>
+            <a:endParaRPr lang="en-GB" dirty="0"/>
+          </a:p>
+        </p:txBody>
+      </p:sp>
+      <p:sp>
+        <p:nvSpPr>
+          <p:cNvPr id="5" name="Text Placeholder 4"/>
+          <p:cNvSpPr>
+            <a:spLocks noGrp="1"/>
+          </p:cNvSpPr>
+          <p:nvPr>
+            <p:ph type="body" sz="quarter" idx="3"/>
+          </p:nvPr>
+        </p:nvSpPr>
+        <p:spPr/>
+        <p:txBody>
+          <a:bodyPr/>
+          <a:lstStyle/>
+          <a:p>
+            <a:r>
+              <a:rPr lang="en-GB" dirty="0" smtClean="0"/>
+              <a:t>Solution</a:t>
+            </a:r>
+            <a:endParaRPr lang="en-GB" dirty="0"/>
+          </a:p>
+        </p:txBody>
+      </p:sp>
+      <p:sp>
+        <p:nvSpPr>
+          <p:cNvPr id="6" name="Content Placeholder 5"/>
+          <p:cNvSpPr>
+            <a:spLocks noGrp="1"/>
+          </p:cNvSpPr>
+          <p:nvPr>
+            <p:ph sz="quarter" idx="4"/>
+          </p:nvPr>
+        </p:nvSpPr>
+        <p:spPr>
+          <a:xfrm>
+            <a:off x="5806544" y="1262062"/>
+            <a:ext cx="6045029" cy="3309938"/>
+          </a:xfrm>
+        </p:spPr>
+        <p:txBody>
+          <a:bodyPr>
+            <a:normAutofit fontScale="70000" lnSpcReduction="20000"/>
+          </a:bodyPr>
+          <a:lstStyle/>
+          <a:p>
+            <a:pPr marL="0" indent="0">
+              <a:buNone/>
+            </a:pPr>
+            <a:r>
+              <a:rPr lang="en-GB" dirty="0" err="1" smtClean="0"/>
+              <a:t>db.zipcodes.aggregate</a:t>
+            </a:r>
+            <a:r>
+              <a:rPr lang="en-GB" dirty="0"/>
+              <a:t>([</a:t>
+            </a:r>
+          </a:p>
+          <a:p>
+            <a:pPr marL="0" indent="0">
+              <a:spcAft>
+                <a:spcPts val="0"/>
+              </a:spcAft>
+              <a:buNone/>
+            </a:pPr>
+            <a:r>
+              <a:rPr lang="en-GB" dirty="0"/>
+              <a:t>	{"$group": {</a:t>
+            </a:r>
+          </a:p>
+          <a:p>
+            <a:pPr marL="0" indent="0">
+              <a:spcAft>
+                <a:spcPts val="0"/>
+              </a:spcAft>
+              <a:buNone/>
+            </a:pPr>
+            <a:r>
+              <a:rPr lang="en-GB" dirty="0"/>
+              <a:t>		"_id": {"state": "$state", "city": "$city"},</a:t>
+            </a:r>
+          </a:p>
+          <a:p>
+            <a:pPr marL="0" indent="0">
+              <a:spcAft>
+                <a:spcPts val="0"/>
+              </a:spcAft>
+              <a:buNone/>
+            </a:pPr>
+            <a:r>
+              <a:rPr lang="en-GB" dirty="0"/>
+              <a:t> 		"population": {"$sum": "$pop"}}</a:t>
+            </a:r>
+          </a:p>
+          <a:p>
+            <a:pPr marL="0" indent="0">
+              <a:spcAft>
+                <a:spcPts val="0"/>
+              </a:spcAft>
+              <a:buNone/>
+            </a:pPr>
+            <a:r>
+              <a:rPr lang="en-GB" dirty="0"/>
+              <a:t>	}, </a:t>
+            </a:r>
+            <a:endParaRPr lang="en-GB" dirty="0" smtClean="0"/>
+          </a:p>
+          <a:p>
+            <a:pPr marL="0" indent="0">
+              <a:spcAft>
+                <a:spcPts val="0"/>
+              </a:spcAft>
+              <a:buNone/>
+            </a:pPr>
+            <a:r>
+              <a:rPr lang="en-GB" dirty="0"/>
+              <a:t>	{"$sort": {"population": 1}}, </a:t>
+            </a:r>
+            <a:endParaRPr lang="en-GB" dirty="0" smtClean="0"/>
+          </a:p>
+          <a:p>
+            <a:pPr marL="0" indent="0">
+              <a:spcAft>
+                <a:spcPts val="0"/>
+              </a:spcAft>
+              <a:buNone/>
+            </a:pPr>
+            <a:r>
+              <a:rPr lang="en-GB" dirty="0"/>
+              <a:t>	</a:t>
+            </a:r>
+            <a:r>
+              <a:rPr lang="en-GB" dirty="0" smtClean="0"/>
+              <a:t>{"$</a:t>
+            </a:r>
+            <a:r>
+              <a:rPr lang="en-GB" dirty="0"/>
+              <a:t>group": </a:t>
+            </a:r>
+            <a:r>
+              <a:rPr lang="en-GB" dirty="0" smtClean="0"/>
+              <a:t>{</a:t>
+            </a:r>
+          </a:p>
+          <a:p>
+            <a:pPr marL="0" indent="0">
+              <a:spcAft>
+                <a:spcPts val="0"/>
+              </a:spcAft>
+              <a:buNone/>
+            </a:pPr>
+            <a:r>
+              <a:rPr lang="en-GB" dirty="0"/>
+              <a:t>	</a:t>
+            </a:r>
+            <a:r>
+              <a:rPr lang="en-GB" dirty="0" smtClean="0"/>
+              <a:t>	"_</a:t>
+            </a:r>
+            <a:r>
+              <a:rPr lang="en-GB" dirty="0"/>
+              <a:t>id": "$_</a:t>
+            </a:r>
+            <a:r>
+              <a:rPr lang="en-GB" dirty="0" err="1"/>
+              <a:t>id.state</a:t>
+            </a:r>
+            <a:r>
+              <a:rPr lang="en-GB" dirty="0"/>
+              <a:t>", </a:t>
+            </a:r>
+            <a:endParaRPr lang="en-GB" dirty="0" smtClean="0"/>
+          </a:p>
+          <a:p>
+            <a:pPr marL="0" indent="0">
+              <a:spcAft>
+                <a:spcPts val="0"/>
+              </a:spcAft>
+              <a:buNone/>
+            </a:pPr>
+            <a:r>
+              <a:rPr lang="en-GB" dirty="0"/>
+              <a:t>	</a:t>
+            </a:r>
+            <a:r>
+              <a:rPr lang="en-GB" dirty="0" smtClean="0"/>
+              <a:t>	"</a:t>
+            </a:r>
+            <a:r>
+              <a:rPr lang="en-GB" dirty="0" err="1"/>
+              <a:t>smallestCity</a:t>
+            </a:r>
+            <a:r>
+              <a:rPr lang="en-GB" dirty="0"/>
+              <a:t>": {"$first": "$_</a:t>
+            </a:r>
+            <a:r>
+              <a:rPr lang="en-GB" dirty="0" err="1"/>
+              <a:t>id.city</a:t>
+            </a:r>
+            <a:r>
+              <a:rPr lang="en-GB" dirty="0"/>
+              <a:t>"}, </a:t>
+            </a:r>
+            <a:endParaRPr lang="en-GB" dirty="0" smtClean="0"/>
+          </a:p>
+          <a:p>
+            <a:pPr marL="0" indent="0">
+              <a:spcAft>
+                <a:spcPts val="0"/>
+              </a:spcAft>
+              <a:buNone/>
+            </a:pPr>
+            <a:r>
+              <a:rPr lang="en-GB" dirty="0"/>
+              <a:t>	</a:t>
+            </a:r>
+            <a:r>
+              <a:rPr lang="en-GB" dirty="0" smtClean="0"/>
+              <a:t>	"</a:t>
+            </a:r>
+            <a:r>
+              <a:rPr lang="en-GB" dirty="0" err="1"/>
+              <a:t>smallestCityPop</a:t>
+            </a:r>
+            <a:r>
+              <a:rPr lang="en-GB" dirty="0"/>
+              <a:t>": {"$first": "$population"}, </a:t>
+            </a:r>
+            <a:endParaRPr lang="en-GB" dirty="0" smtClean="0"/>
+          </a:p>
+          <a:p>
+            <a:pPr marL="0" indent="0">
+              <a:spcAft>
+                <a:spcPts val="0"/>
+              </a:spcAft>
+              <a:buNone/>
+            </a:pPr>
+            <a:r>
+              <a:rPr lang="en-GB" dirty="0"/>
+              <a:t>	</a:t>
+            </a:r>
+            <a:r>
+              <a:rPr lang="en-GB" dirty="0" smtClean="0"/>
+              <a:t>	"</a:t>
+            </a:r>
+            <a:r>
+              <a:rPr lang="en-GB" dirty="0" err="1"/>
+              <a:t>biggestCity</a:t>
+            </a:r>
+            <a:r>
+              <a:rPr lang="en-GB" dirty="0"/>
+              <a:t>": {"$last": "$_</a:t>
+            </a:r>
+            <a:r>
+              <a:rPr lang="en-GB" dirty="0" err="1"/>
+              <a:t>id.city</a:t>
+            </a:r>
+            <a:r>
+              <a:rPr lang="en-GB" dirty="0"/>
+              <a:t>"}, </a:t>
+            </a:r>
+            <a:endParaRPr lang="en-GB" dirty="0" smtClean="0"/>
+          </a:p>
+          <a:p>
+            <a:pPr marL="0" indent="0">
+              <a:spcAft>
+                <a:spcPts val="0"/>
+              </a:spcAft>
+              <a:buNone/>
+            </a:pPr>
+            <a:r>
+              <a:rPr lang="en-GB" dirty="0"/>
+              <a:t>	</a:t>
+            </a:r>
+            <a:r>
+              <a:rPr lang="en-GB" dirty="0" smtClean="0"/>
+              <a:t>	"</a:t>
+            </a:r>
+            <a:r>
+              <a:rPr lang="en-GB" dirty="0" err="1"/>
+              <a:t>biggestCityPop</a:t>
+            </a:r>
+            <a:r>
+              <a:rPr lang="en-GB" dirty="0"/>
+              <a:t>": {"$last": "$population</a:t>
+            </a:r>
+            <a:r>
+              <a:rPr lang="en-GB" dirty="0" smtClean="0"/>
+              <a:t>"}}</a:t>
+            </a:r>
+          </a:p>
+          <a:p>
+            <a:pPr marL="0" indent="0">
+              <a:spcAft>
+                <a:spcPts val="0"/>
+              </a:spcAft>
+              <a:buNone/>
+            </a:pPr>
+            <a:r>
+              <a:rPr lang="en-GB" dirty="0"/>
+              <a:t>	</a:t>
+            </a:r>
+            <a:r>
+              <a:rPr lang="en-GB" dirty="0" smtClean="0"/>
+              <a:t>}</a:t>
+            </a:r>
+          </a:p>
+          <a:p>
+            <a:pPr marL="0" indent="0">
+              <a:spcAft>
+                <a:spcPts val="0"/>
+              </a:spcAft>
+              <a:buNone/>
+            </a:pPr>
+            <a:r>
+              <a:rPr lang="en-GB" dirty="0" smtClean="0"/>
+              <a:t>])</a:t>
+            </a:r>
+            <a:endParaRPr lang="en-GB" dirty="0"/>
+          </a:p>
+        </p:txBody>
+      </p:sp>
+    </p:spTree>
+    <p:extLst>
+      <p:ext uri="{BB962C8B-B14F-4D97-AF65-F5344CB8AC3E}">
+        <p14:creationId xmlns:p14="http://schemas.microsoft.com/office/powerpoint/2010/main" val="85681402"/>
+      </p:ext>
+    </p:extLst>
+  </p:cSld>
+  <p:clrMapOvr>
+    <a:masterClrMapping/>
+  </p:clrMapOvr>
+</p:sld>
+</file>
+
+<file path=ppt/slides/slide11.xml><?xml version="1.0" encoding="utf-8"?>
+<p:sld xmlns:a="http://schemas.openxmlformats.org/drawingml/2006/main" xmlns:r="http://schemas.openxmlformats.org/officeDocument/2006/relationships" xmlns:p="http://schemas.openxmlformats.org/presentationml/2006/main">
+  <p:cSld>
+    <p:spTree>
+      <p:nvGrpSpPr>
+        <p:cNvPr id="1" name=""/>
+        <p:cNvGrpSpPr/>
+        <p:nvPr/>
+      </p:nvGrpSpPr>
+      <p:grpSpPr>
+        <a:xfrm>
+          <a:off x="0" y="0"/>
+          <a:ext cx="0" cy="0"/>
+          <a:chOff x="0" y="0"/>
+          <a:chExt cx="0" cy="0"/>
+        </a:xfrm>
+      </p:grpSpPr>
+      <p:sp>
+        <p:nvSpPr>
+          <p:cNvPr id="2" name="Title 1"/>
+          <p:cNvSpPr>
+            <a:spLocks noGrp="1"/>
+          </p:cNvSpPr>
+          <p:nvPr>
+            <p:ph type="title"/>
+          </p:nvPr>
+        </p:nvSpPr>
+        <p:spPr/>
+        <p:txBody>
+          <a:bodyPr/>
+          <a:lstStyle/>
+          <a:p>
+            <a:r>
+              <a:rPr lang="en-GB" dirty="0" smtClean="0"/>
+              <a:t>exercises</a:t>
+            </a:r>
+            <a:endParaRPr lang="en-GB" dirty="0"/>
+          </a:p>
+        </p:txBody>
+      </p:sp>
+      <p:sp>
+        <p:nvSpPr>
+          <p:cNvPr id="7" name="Content Placeholder 6"/>
+          <p:cNvSpPr>
+            <a:spLocks noGrp="1"/>
+          </p:cNvSpPr>
+          <p:nvPr>
+            <p:ph idx="1"/>
+          </p:nvPr>
+        </p:nvSpPr>
+        <p:spPr>
+          <a:xfrm>
+            <a:off x="684212" y="685800"/>
+            <a:ext cx="8534400" cy="4147457"/>
+          </a:xfrm>
+        </p:spPr>
+        <p:txBody>
+          <a:bodyPr>
+            <a:normAutofit fontScale="92500" lnSpcReduction="10000"/>
+          </a:bodyPr>
+          <a:lstStyle/>
+          <a:p>
+            <a:pPr marL="457200" indent="-457200">
+              <a:buFont typeface="+mj-lt"/>
+              <a:buAutoNum type="arabicPeriod"/>
+            </a:pPr>
+            <a:r>
+              <a:rPr lang="en-GB" dirty="0" smtClean="0"/>
+              <a:t>Using the video database and the </a:t>
+            </a:r>
+            <a:r>
+              <a:rPr lang="en-GB" dirty="0" err="1" smtClean="0"/>
+              <a:t>movieDetails</a:t>
+            </a:r>
+            <a:r>
+              <a:rPr lang="en-GB" dirty="0" smtClean="0"/>
+              <a:t> collection, find the top 10 genres and print put their corresponding count.</a:t>
+            </a:r>
+          </a:p>
+          <a:p>
+            <a:pPr marL="457200" indent="-457200">
+              <a:buFont typeface="+mj-lt"/>
+              <a:buAutoNum type="arabicPeriod"/>
+            </a:pPr>
+            <a:r>
+              <a:rPr lang="en-GB" dirty="0" smtClean="0"/>
+              <a:t>Using the students database and the grades collection, find the average grade for each student for each of the grade types (homework, exam, quiz)</a:t>
+            </a:r>
+          </a:p>
+          <a:p>
+            <a:pPr marL="457200" indent="-457200">
+              <a:buFont typeface="+mj-lt"/>
+              <a:buAutoNum type="arabicPeriod"/>
+            </a:pPr>
+            <a:r>
+              <a:rPr lang="en-GB" dirty="0" smtClean="0"/>
+              <a:t>Using the previous exercise calculate and print the final grade of a student taking into account that the grades have the following weight on the final grade:</a:t>
+            </a:r>
+          </a:p>
+          <a:p>
+            <a:pPr lvl="1"/>
+            <a:r>
+              <a:rPr lang="en-GB" dirty="0" smtClean="0"/>
+              <a:t>Homework: 20%</a:t>
+            </a:r>
+          </a:p>
+          <a:p>
+            <a:pPr lvl="1"/>
+            <a:r>
+              <a:rPr lang="en-GB" dirty="0" smtClean="0"/>
+              <a:t>Quiz: 40%</a:t>
+            </a:r>
+          </a:p>
+          <a:p>
+            <a:pPr lvl="1"/>
+            <a:r>
+              <a:rPr lang="en-GB" dirty="0" smtClean="0"/>
+              <a:t>Exam: 40%</a:t>
+            </a:r>
+            <a:endParaRPr lang="en-GB" dirty="0"/>
+          </a:p>
+          <a:p>
+            <a:pPr marL="457200" lvl="1" indent="0">
+              <a:buNone/>
+            </a:pPr>
+            <a:r>
+              <a:rPr lang="en-GB" dirty="0" smtClean="0"/>
+              <a:t>Save the final grade to a new collection “</a:t>
+            </a:r>
+            <a:r>
+              <a:rPr lang="en-GB" dirty="0" err="1" smtClean="0"/>
+              <a:t>finalGrades</a:t>
+            </a:r>
+            <a:r>
+              <a:rPr lang="en-GB" dirty="0" smtClean="0"/>
+              <a:t>” that contains the id of the student, his/her name and the final grade</a:t>
+            </a:r>
+          </a:p>
+        </p:txBody>
+      </p:sp>
+    </p:spTree>
+    <p:extLst>
+      <p:ext uri="{BB962C8B-B14F-4D97-AF65-F5344CB8AC3E}">
+        <p14:creationId xmlns:p14="http://schemas.microsoft.com/office/powerpoint/2010/main" val="1582416621"/>
+      </p:ext>
+    </p:extLst>
+  </p:cSld>
+  <p:clrMapOvr>
+    <a:masterClrMapping/>
+  </p:clrMapOvr>
+</p:sld>
+</file>
+
 <file path=ppt/slides/slide2.xml><?xml version="1.0" encoding="utf-8"?>
 <p:sld xmlns:a="http://schemas.openxmlformats.org/drawingml/2006/main" xmlns:r="http://schemas.openxmlformats.org/officeDocument/2006/relationships" xmlns:p="http://schemas.openxmlformats.org/presentationml/2006/main">
   <p:cSld>
@@ -5697,7 +6285,11 @@
           <a:p>
             <a:r>
               <a:rPr lang="en-GB" dirty="0" smtClean="0"/>
-              <a:t>aggregation operators</a:t>
+              <a:t>aggregation STAGE </a:t>
+            </a:r>
+            <a:r>
+              <a:rPr lang="en-GB" dirty="0" smtClean="0"/>
+              <a:t>operators</a:t>
             </a:r>
             <a:endParaRPr lang="en-GB" dirty="0"/>
           </a:p>
@@ -5721,7 +6313,7 @@
         </p:spPr>
         <p:txBody>
           <a:bodyPr>
-            <a:normAutofit fontScale="85000" lnSpcReduction="20000"/>
+            <a:normAutofit fontScale="70000" lnSpcReduction="20000"/>
           </a:bodyPr>
           <a:lstStyle/>
           <a:p>
@@ -5731,8 +6323,13 @@
             </a:r>
             <a:r>
               <a:rPr lang="en-GB" dirty="0" smtClean="0"/>
-              <a:t>: query to filter the documents that will be processed by the next step in the pipeline</a:t>
-            </a:r>
+              <a:t>: query to filter the documents that will be processed by the next step in the </a:t>
+            </a:r>
+            <a:r>
+              <a:rPr lang="en-GB" dirty="0" smtClean="0"/>
+              <a:t>pipeline. It takes a query as its parameter</a:t>
+            </a:r>
+            <a:endParaRPr lang="en-GB" dirty="0" smtClean="0"/>
           </a:p>
           <a:p>
             <a:r>
@@ -5805,8 +6402,23 @@
             </a:r>
             <a:r>
               <a:rPr lang="en-GB" dirty="0" smtClean="0"/>
-              <a:t>: Performs geospatial near operations in geospatial data.</a:t>
-            </a:r>
+              <a:t>: Performs geospatial near operations in geospatial data</a:t>
+            </a:r>
+            <a:r>
+              <a:rPr lang="en-GB" dirty="0" smtClean="0"/>
+              <a:t>.</a:t>
+            </a:r>
+          </a:p>
+          <a:p>
+            <a:r>
+              <a:rPr lang="en-GB" b="1" dirty="0" smtClean="0"/>
+              <a:t>$project: </a:t>
+            </a:r>
+            <a:r>
+              <a:rPr lang="en-GB" dirty="0" smtClean="0"/>
+              <a:t>Creates a projection of the result set to be displayed in the output.</a:t>
+            </a:r>
+            <a:endParaRPr lang="en-GB" b="1" dirty="0" smtClean="0"/>
           </a:p>
           <a:p>
             <a:r>
@@ -5876,6 +6488,215 @@
           <a:p>
             <a:r>
               <a:rPr lang="en-GB" dirty="0" smtClean="0"/>
+              <a:t>aggregation group operators</a:t>
+            </a:r>
+            <a:endParaRPr lang="en-GB" dirty="0"/>
+          </a:p>
+        </p:txBody>
+      </p:sp>
+      <p:sp>
+        <p:nvSpPr>
+          <p:cNvPr id="3" name="Content Placeholder 2"/>
+          <p:cNvSpPr>
+            <a:spLocks noGrp="1"/>
+          </p:cNvSpPr>
+          <p:nvPr>
+            <p:ph idx="1"/>
+          </p:nvPr>
+        </p:nvSpPr>
+        <p:spPr>
+          <a:xfrm>
+            <a:off x="684212" y="685800"/>
+            <a:ext cx="8534400" cy="4135582"/>
+          </a:xfrm>
+        </p:spPr>
+        <p:txBody>
+          <a:bodyPr>
+            <a:normAutofit fontScale="85000" lnSpcReduction="10000"/>
+          </a:bodyPr>
+          <a:lstStyle/>
+          <a:p>
+            <a:r>
+              <a:rPr lang="en-GB" b="1" dirty="0" smtClean="0"/>
+              <a:t>$sum</a:t>
+            </a:r>
+            <a:r>
+              <a:rPr lang="en-GB" dirty="0" smtClean="0"/>
+              <a:t>: Returns a sum of the specified attribute. Non numeric values are ignored</a:t>
+            </a:r>
+          </a:p>
+          <a:p>
+            <a:r>
+              <a:rPr lang="en-GB" b="1" dirty="0" smtClean="0"/>
+              <a:t>$</a:t>
+            </a:r>
+            <a:r>
+              <a:rPr lang="en-GB" b="1" dirty="0" err="1" smtClean="0"/>
+              <a:t>avg</a:t>
+            </a:r>
+            <a:r>
+              <a:rPr lang="en-GB" dirty="0" smtClean="0"/>
+              <a:t>: Returns the average of the specified attribute. </a:t>
+            </a:r>
+            <a:r>
+              <a:rPr lang="en-GB" dirty="0"/>
+              <a:t>Non numeric values are </a:t>
+            </a:r>
+            <a:r>
+              <a:rPr lang="en-GB" dirty="0" smtClean="0"/>
+              <a:t>ignored</a:t>
+            </a:r>
+          </a:p>
+          <a:p>
+            <a:r>
+              <a:rPr lang="en-GB" b="1" dirty="0" smtClean="0"/>
+              <a:t>$min</a:t>
+            </a:r>
+            <a:r>
+              <a:rPr lang="en-GB" dirty="0" smtClean="0"/>
+              <a:t>: Returns the minimum value of the specified attribute.</a:t>
+            </a:r>
+          </a:p>
+          <a:p>
+            <a:r>
+              <a:rPr lang="en-GB" b="1" dirty="0"/>
+              <a:t>$</a:t>
+            </a:r>
+            <a:r>
+              <a:rPr lang="en-GB" b="1" dirty="0" smtClean="0"/>
+              <a:t>max</a:t>
+            </a:r>
+            <a:r>
+              <a:rPr lang="en-GB" dirty="0" smtClean="0"/>
+              <a:t>: Returns </a:t>
+            </a:r>
+            <a:r>
+              <a:rPr lang="en-GB" dirty="0"/>
+              <a:t>the </a:t>
+            </a:r>
+            <a:r>
+              <a:rPr lang="en-GB" dirty="0" smtClean="0"/>
+              <a:t>maximum </a:t>
+            </a:r>
+            <a:r>
+              <a:rPr lang="en-GB" dirty="0"/>
+              <a:t>value of the specified attribute.</a:t>
+            </a:r>
+          </a:p>
+          <a:p>
+            <a:r>
+              <a:rPr lang="en-GB" b="1" dirty="0" smtClean="0"/>
+              <a:t>$push: </a:t>
+            </a:r>
+            <a:r>
+              <a:rPr lang="en-GB" dirty="0" smtClean="0"/>
+              <a:t>Returns an array that results from applying an expression to the grouped values</a:t>
+            </a:r>
+          </a:p>
+          <a:p>
+            <a:r>
+              <a:rPr lang="en-GB" b="1" dirty="0" smtClean="0"/>
+              <a:t>$</a:t>
+            </a:r>
+            <a:r>
+              <a:rPr lang="en-GB" b="1" dirty="0" err="1" smtClean="0"/>
+              <a:t>addToSet</a:t>
+            </a:r>
+            <a:r>
+              <a:rPr lang="en-GB" b="1" dirty="0" smtClean="0"/>
+              <a:t>: </a:t>
+            </a:r>
+            <a:r>
+              <a:rPr lang="en-GB" dirty="0" smtClean="0"/>
+              <a:t> Returns an array of unique elements that result from applying an expression to the grouped values</a:t>
+            </a:r>
+          </a:p>
+          <a:p>
+            <a:r>
+              <a:rPr lang="en-GB" b="1" dirty="0" smtClean="0"/>
+              <a:t>$</a:t>
+            </a:r>
+            <a:r>
+              <a:rPr lang="en-GB" b="1" dirty="0" err="1" smtClean="0"/>
+              <a:t>stdDevPop</a:t>
+            </a:r>
+            <a:r>
+              <a:rPr lang="en-GB" b="1" dirty="0" smtClean="0"/>
+              <a:t>: </a:t>
+            </a:r>
+            <a:r>
+              <a:rPr lang="en-GB" dirty="0" smtClean="0"/>
+              <a:t>Calculates the population standard deviation of the input values</a:t>
+            </a:r>
+          </a:p>
+          <a:p>
+            <a:r>
+              <a:rPr lang="en-GB" b="1" dirty="0" smtClean="0"/>
+              <a:t>$</a:t>
+            </a:r>
+            <a:r>
+              <a:rPr lang="en-GB" b="1" dirty="0" err="1" smtClean="0"/>
+              <a:t>strDevSamp</a:t>
+            </a:r>
+            <a:r>
+              <a:rPr lang="en-GB" b="1" dirty="0" smtClean="0"/>
+              <a:t>: </a:t>
+            </a:r>
+            <a:r>
+              <a:rPr lang="en-GB" dirty="0" smtClean="0"/>
+              <a:t>Calculates the sample standard deviation of the input values</a:t>
+            </a:r>
+            <a:endParaRPr lang="en-GB" b="1" dirty="0" smtClean="0"/>
+          </a:p>
+        </p:txBody>
+      </p:sp>
+    </p:spTree>
+    <p:extLst>
+      <p:ext uri="{BB962C8B-B14F-4D97-AF65-F5344CB8AC3E}">
+        <p14:creationId xmlns:p14="http://schemas.microsoft.com/office/powerpoint/2010/main" val="1685180754"/>
+      </p:ext>
+    </p:extLst>
+  </p:cSld>
+  <p:clrMapOvr>
+    <a:masterClrMapping/>
+  </p:clrMapOvr>
+</p:sld>
+</file>
+
+<file path=ppt/slides/slide7.xml><?xml version="1.0" encoding="utf-8"?>
+<p:sld xmlns:a="http://schemas.openxmlformats.org/drawingml/2006/main" xmlns:r="http://schemas.openxmlformats.org/officeDocument/2006/relationships" xmlns:p="http://schemas.openxmlformats.org/presentationml/2006/main">
+  <p:cSld>
+    <p:spTree>
+      <p:nvGrpSpPr>
+        <p:cNvPr id="1" name=""/>
+        <p:cNvGrpSpPr/>
+        <p:nvPr/>
+      </p:nvGrpSpPr>
+      <p:grpSpPr>
+        <a:xfrm>
+          <a:off x="0" y="0"/>
+          <a:ext cx="0" cy="0"/>
+          <a:chOff x="0" y="0"/>
+          <a:chExt cx="0" cy="0"/>
+        </a:xfrm>
+      </p:grpSpPr>
+      <p:sp>
+        <p:nvSpPr>
+          <p:cNvPr id="2" name="Title 1"/>
+          <p:cNvSpPr>
+            <a:spLocks noGrp="1"/>
+          </p:cNvSpPr>
+          <p:nvPr>
+            <p:ph type="title"/>
+          </p:nvPr>
+        </p:nvSpPr>
+        <p:spPr/>
+        <p:txBody>
+          <a:bodyPr/>
+          <a:lstStyle/>
+          <a:p>
+            <a:r>
+              <a:rPr lang="en-GB" dirty="0" smtClean="0"/>
               <a:t>Obtaining the total population per state</a:t>
             </a:r>
             <a:endParaRPr lang="en-GB" dirty="0"/>
@@ -6292,347 +7113,6 @@
 </p:sld>
 </file>
 
-<file path=ppt/slides/slide7.xml><?xml version="1.0" encoding="utf-8"?>
-<p:sld xmlns:a="http://schemas.openxmlformats.org/drawingml/2006/main" xmlns:r="http://schemas.openxmlformats.org/officeDocument/2006/relationships" xmlns:p="http://schemas.openxmlformats.org/presentationml/2006/main">
-  <p:cSld>
-    <p:spTree>
-      <p:nvGrpSpPr>
-        <p:cNvPr id="1" name=""/>
-        <p:cNvGrpSpPr/>
-        <p:nvPr/>
-      </p:nvGrpSpPr>
-      <p:grpSpPr>
-        <a:xfrm>
-          <a:off x="0" y="0"/>
-          <a:ext cx="0" cy="0"/>
-          <a:chOff x="0" y="0"/>
-          <a:chExt cx="0" cy="0"/>
-        </a:xfrm>
-      </p:grpSpPr>
-      <p:sp>
-        <p:nvSpPr>
-          <p:cNvPr id="2" name="Title 1"/>
-          <p:cNvSpPr>
-            <a:spLocks noGrp="1"/>
-          </p:cNvSpPr>
-          <p:nvPr>
-            <p:ph type="title"/>
-          </p:nvPr>
-        </p:nvSpPr>
-        <p:spPr/>
-        <p:txBody>
-          <a:bodyPr/>
-          <a:lstStyle/>
-          <a:p>
-            <a:r>
-              <a:rPr lang="en-GB" dirty="0" smtClean="0"/>
-              <a:t>Obtain the states with more than 10 million people</a:t>
-            </a:r>
-            <a:endParaRPr lang="en-GB" dirty="0"/>
-          </a:p>
-        </p:txBody>
-      </p:sp>
-      <p:sp>
-        <p:nvSpPr>
-          <p:cNvPr id="3" name="Text Placeholder 2"/>
-          <p:cNvSpPr>
-            <a:spLocks noGrp="1"/>
-          </p:cNvSpPr>
-          <p:nvPr>
-            <p:ph type="body" idx="1"/>
-          </p:nvPr>
-        </p:nvSpPr>
-        <p:spPr/>
-        <p:txBody>
-          <a:bodyPr/>
-          <a:lstStyle/>
-          <a:p>
-            <a:r>
-              <a:rPr lang="en-GB" dirty="0"/>
-              <a:t>S</a:t>
-            </a:r>
-            <a:r>
-              <a:rPr lang="en-GB" dirty="0" smtClean="0"/>
-              <a:t>tages</a:t>
-            </a:r>
-            <a:endParaRPr lang="en-GB" dirty="0"/>
-          </a:p>
-        </p:txBody>
-      </p:sp>
-      <p:sp>
-        <p:nvSpPr>
-          <p:cNvPr id="4" name="Content Placeholder 3"/>
-          <p:cNvSpPr>
-            <a:spLocks noGrp="1"/>
-          </p:cNvSpPr>
-          <p:nvPr>
-            <p:ph sz="half" idx="2"/>
-          </p:nvPr>
-        </p:nvSpPr>
-        <p:spPr/>
-        <p:txBody>
-          <a:bodyPr/>
-          <a:lstStyle/>
-          <a:p>
-            <a:r>
-              <a:rPr lang="en-GB" dirty="0" smtClean="0"/>
-              <a:t>Get the total population per state</a:t>
-            </a:r>
-          </a:p>
-          <a:p>
-            <a:r>
-              <a:rPr lang="en-GB" dirty="0" smtClean="0"/>
-              <a:t>Filter the states with more than 10 million people</a:t>
-            </a:r>
-            <a:endParaRPr lang="en-GB" dirty="0"/>
-          </a:p>
-        </p:txBody>
-      </p:sp>
-      <p:sp>
-        <p:nvSpPr>
-          <p:cNvPr id="5" name="Text Placeholder 4"/>
-          <p:cNvSpPr>
-            <a:spLocks noGrp="1"/>
-          </p:cNvSpPr>
-          <p:nvPr>
-            <p:ph type="body" sz="quarter" idx="3"/>
-          </p:nvPr>
-        </p:nvSpPr>
-        <p:spPr/>
-        <p:txBody>
-          <a:bodyPr/>
-          <a:lstStyle/>
-          <a:p>
-            <a:r>
-              <a:rPr lang="en-GB" dirty="0" smtClean="0"/>
-              <a:t>Solution</a:t>
-            </a:r>
-            <a:endParaRPr lang="en-GB" dirty="0"/>
-          </a:p>
-        </p:txBody>
-      </p:sp>
-      <p:sp>
-        <p:nvSpPr>
-          <p:cNvPr id="6" name="Content Placeholder 5"/>
-          <p:cNvSpPr>
-            <a:spLocks noGrp="1"/>
-          </p:cNvSpPr>
-          <p:nvPr>
-            <p:ph sz="quarter" idx="4"/>
-          </p:nvPr>
-        </p:nvSpPr>
-        <p:spPr>
-          <a:xfrm>
-            <a:off x="5806544" y="1262062"/>
-            <a:ext cx="6187533" cy="3030538"/>
-          </a:xfrm>
-        </p:spPr>
-        <p:txBody>
-          <a:bodyPr>
-            <a:normAutofit fontScale="92500" lnSpcReduction="10000"/>
-          </a:bodyPr>
-          <a:lstStyle/>
-          <a:p>
-            <a:pPr marL="0" indent="0">
-              <a:spcAft>
-                <a:spcPts val="0"/>
-              </a:spcAft>
-              <a:buNone/>
-            </a:pPr>
-            <a:r>
-              <a:rPr lang="en-US" dirty="0" err="1"/>
-              <a:t>db.zipcodes.aggregate</a:t>
-            </a:r>
-            <a:r>
-              <a:rPr lang="en-US" dirty="0" smtClean="0"/>
-              <a:t>([</a:t>
-            </a:r>
-          </a:p>
-          <a:p>
-            <a:pPr marL="0" indent="0">
-              <a:spcAft>
-                <a:spcPts val="0"/>
-              </a:spcAft>
-              <a:buNone/>
-            </a:pPr>
-            <a:r>
-              <a:rPr lang="en-US" dirty="0"/>
-              <a:t>	</a:t>
-            </a:r>
-            <a:r>
-              <a:rPr lang="en-US" dirty="0" smtClean="0"/>
-              <a:t>{"$</a:t>
-            </a:r>
-            <a:r>
-              <a:rPr lang="en-US" dirty="0"/>
-              <a:t>group": </a:t>
-            </a:r>
-            <a:r>
-              <a:rPr lang="en-US" dirty="0" smtClean="0"/>
-              <a:t>{</a:t>
-            </a:r>
-          </a:p>
-          <a:p>
-            <a:pPr marL="0" indent="0">
-              <a:spcAft>
-                <a:spcPts val="0"/>
-              </a:spcAft>
-              <a:buNone/>
-            </a:pPr>
-            <a:r>
-              <a:rPr lang="en-US" dirty="0"/>
-              <a:t>	</a:t>
-            </a:r>
-            <a:r>
-              <a:rPr lang="en-US" dirty="0" smtClean="0"/>
-              <a:t>	"_</a:t>
-            </a:r>
-            <a:r>
-              <a:rPr lang="en-US" dirty="0"/>
-              <a:t>id": "$state", </a:t>
-            </a:r>
-            <a:endParaRPr lang="en-US" dirty="0" smtClean="0"/>
-          </a:p>
-          <a:p>
-            <a:pPr marL="0" indent="0">
-              <a:spcAft>
-                <a:spcPts val="0"/>
-              </a:spcAft>
-              <a:buNone/>
-            </a:pPr>
-            <a:r>
-              <a:rPr lang="en-US" dirty="0"/>
-              <a:t>	</a:t>
-            </a:r>
-            <a:r>
-              <a:rPr lang="en-US" dirty="0" smtClean="0"/>
-              <a:t>	"</a:t>
-            </a:r>
-            <a:r>
-              <a:rPr lang="en-US" dirty="0"/>
-              <a:t>people": {"$sum": "$pop</a:t>
-            </a:r>
-            <a:r>
-              <a:rPr lang="en-US" dirty="0" smtClean="0"/>
-              <a:t>"}}</a:t>
-            </a:r>
-          </a:p>
-          <a:p>
-            <a:pPr marL="0" indent="0">
-              <a:spcAft>
-                <a:spcPts val="0"/>
-              </a:spcAft>
-              <a:buNone/>
-            </a:pPr>
-            <a:r>
-              <a:rPr lang="en-US" dirty="0"/>
-              <a:t>	</a:t>
-            </a:r>
-            <a:r>
-              <a:rPr lang="en-US" dirty="0" smtClean="0"/>
-              <a:t>}, </a:t>
-            </a:r>
-          </a:p>
-          <a:p>
-            <a:pPr marL="0" indent="0">
-              <a:spcAft>
-                <a:spcPts val="0"/>
-              </a:spcAft>
-              <a:buNone/>
-            </a:pPr>
-            <a:r>
-              <a:rPr lang="en-US" dirty="0"/>
-              <a:t>	</a:t>
-            </a:r>
-            <a:r>
-              <a:rPr lang="en-US" dirty="0" smtClean="0"/>
-              <a:t>{"$</a:t>
-            </a:r>
-            <a:r>
-              <a:rPr lang="en-US" dirty="0"/>
-              <a:t>match": </a:t>
-            </a:r>
-            <a:r>
-              <a:rPr lang="en-US" dirty="0" smtClean="0"/>
-              <a:t>{</a:t>
-            </a:r>
-          </a:p>
-          <a:p>
-            <a:pPr marL="0" indent="0">
-              <a:spcAft>
-                <a:spcPts val="0"/>
-              </a:spcAft>
-              <a:buNone/>
-            </a:pPr>
-            <a:r>
-              <a:rPr lang="en-US" dirty="0"/>
-              <a:t>	</a:t>
-            </a:r>
-            <a:r>
-              <a:rPr lang="en-US" dirty="0" smtClean="0"/>
-              <a:t>	"</a:t>
-            </a:r>
-            <a:r>
-              <a:rPr lang="en-US" dirty="0"/>
-              <a:t>people": {"$</a:t>
-            </a:r>
-            <a:r>
-              <a:rPr lang="en-US" dirty="0" err="1"/>
-              <a:t>gt</a:t>
-            </a:r>
-            <a:r>
-              <a:rPr lang="en-US" dirty="0"/>
-              <a:t>": 10000000</a:t>
-            </a:r>
-            <a:r>
-              <a:rPr lang="en-US" dirty="0" smtClean="0"/>
-              <a:t>}}</a:t>
-            </a:r>
-          </a:p>
-          <a:p>
-            <a:pPr marL="0" indent="0">
-              <a:spcAft>
-                <a:spcPts val="0"/>
-              </a:spcAft>
-              <a:buNone/>
-            </a:pPr>
-            <a:r>
-              <a:rPr lang="en-US" dirty="0"/>
-              <a:t>	</a:t>
-            </a:r>
-            <a:r>
-              <a:rPr lang="en-US" dirty="0" smtClean="0"/>
-              <a:t>}</a:t>
-            </a:r>
-          </a:p>
-          <a:p>
-            <a:pPr marL="0" indent="0">
-              <a:spcAft>
-                <a:spcPts val="0"/>
-              </a:spcAft>
-              <a:buNone/>
-            </a:pPr>
-            <a:r>
-              <a:rPr lang="en-US" dirty="0" smtClean="0"/>
-              <a:t>])</a:t>
-            </a:r>
-            <a:endParaRPr lang="en-GB" dirty="0"/>
-          </a:p>
-        </p:txBody>
-      </p:sp>
-    </p:spTree>
-    <p:extLst>
-      <p:ext uri="{BB962C8B-B14F-4D97-AF65-F5344CB8AC3E}">
-        <p14:creationId xmlns:p14="http://schemas.microsoft.com/office/powerpoint/2010/main" val="2102018986"/>
-      </p:ext>
-    </p:extLst>
-  </p:cSld>
-  <p:clrMapOvr>
-    <a:masterClrMapping/>
-  </p:clrMapOvr>
-</p:sld>
-</file>
-
 <file path=ppt/slides/slide8.xml><?xml version="1.0" encoding="utf-8"?>
 <p:sld xmlns:a="http://schemas.openxmlformats.org/drawingml/2006/main" xmlns:r="http://schemas.openxmlformats.org/officeDocument/2006/relationships" xmlns:p="http://schemas.openxmlformats.org/presentationml/2006/main">
   <p:cSld>
@@ -6667,7 +7147,7 @@
           <a:p>
             <a:r>
               <a:rPr lang="en-GB" dirty="0" smtClean="0"/>
-              <a:t>Average city population by state</a:t>
+              <a:t>Obtain the states with more than 10 million people</a:t>
             </a:r>
             <a:endParaRPr lang="en-GB" dirty="0"/>
           </a:p>
@@ -6689,8 +7169,12 @@
           <a:lstStyle/>
           <a:p>
             <a:r>
-              <a:rPr lang="en-GB" dirty="0" smtClean="0"/>
-              <a:t>Stages</a:t>
+              <a:rPr lang="en-GB" dirty="0"/>
+              <a:t>S</a:t>
+            </a:r>
+            <a:r>
+              <a:rPr lang="en-GB" dirty="0" smtClean="0"/>
+              <a:t>tages</a:t>
             </a:r>
             <a:endParaRPr lang="en-GB" dirty="0"/>
           </a:p>
@@ -6712,22 +7196,15 @@
           <a:lstStyle/>
           <a:p>
             <a:r>
-              <a:rPr lang="en-GB" dirty="0"/>
-              <a:t>Get the total population per </a:t>
-            </a:r>
-            <a:r>
-              <a:rPr lang="en-GB" dirty="0" smtClean="0"/>
-              <a:t>city in each state</a:t>
-            </a:r>
-          </a:p>
-          <a:p>
-            <a:r>
-              <a:rPr lang="en-GB" dirty="0" smtClean="0"/>
-              <a:t>Get the average of population per city in the state</a:t>
-            </a:r>
-            <a:endParaRPr lang="en-GB" dirty="0"/>
-          </a:p>
-          <a:p>
+              <a:rPr lang="en-GB" dirty="0" smtClean="0"/>
+              <a:t>Get the total population per state</a:t>
+            </a:r>
+          </a:p>
+          <a:p>
+            <a:r>
+              <a:rPr lang="en-GB" dirty="0" smtClean="0"/>
+              <a:t>Filter the states with more than 10 million people</a:t>
+            </a:r>
             <a:endParaRPr lang="en-GB" dirty="0"/>
           </a:p>
         </p:txBody>
@@ -6768,12 +7245,12 @@
         <p:spPr>
           <a:xfrm>
             <a:off x="5806544" y="1262062"/>
-            <a:ext cx="5950027" cy="3030538"/>
+            <a:ext cx="6187533" cy="3030538"/>
           </a:xfrm>
         </p:spPr>
         <p:txBody>
           <a:bodyPr>
-            <a:normAutofit fontScale="92500" lnSpcReduction="20000"/>
+            <a:normAutofit fontScale="92500" lnSpcReduction="10000"/>
           </a:bodyPr>
           <a:lstStyle/>
           <a:p>
@@ -6784,11 +7261,11 @@
               <a:buNone/>
             </a:pPr>
             <a:r>
-              <a:rPr lang="en-GB" dirty="0" err="1"/>
+              <a:rPr lang="en-US" dirty="0" err="1"/>
               <a:t>db.zipcodes.aggregate</a:t>
             </a:r>
             <a:r>
-              <a:rPr lang="en-GB" dirty="0" smtClean="0"/>
+              <a:rPr lang="en-US" dirty="0" smtClean="0"/>
               <a:t>([</a:t>
             </a:r>
           </a:p>
@@ -6800,19 +7277,19 @@
               <a:buNone/>
             </a:pPr>
             <a:r>
-              <a:rPr lang="en-GB" dirty="0"/>
+              <a:rPr lang="en-US" dirty="0"/>
               <a:t>	</a:t>
             </a:r>
             <a:r>
-              <a:rPr lang="en-GB" dirty="0" smtClean="0"/>
+              <a:rPr lang="en-US" dirty="0" smtClean="0"/>
               <a:t>{"$</a:t>
             </a:r>
             <a:r>
-              <a:rPr lang="en-GB" dirty="0"/>
+              <a:rPr lang="en-US" dirty="0"/>
               <a:t>group": </a:t>
             </a:r>
             <a:r>
-              <a:rPr lang="en-GB" dirty="0" smtClean="0"/>
+              <a:rPr lang="en-US" dirty="0" smtClean="0"/>
               <a:t>{</a:t>
             </a:r>
           </a:p>
@@ -6824,21 +7301,18 @@
               <a:buNone/>
             </a:pPr>
             <a:r>
-              <a:rPr lang="en-GB" dirty="0"/>
+              <a:rPr lang="en-US" dirty="0"/>
               <a:t>	</a:t>
             </a:r>
             <a:r>
-              <a:rPr lang="en-GB" dirty="0" smtClean="0"/>
+              <a:rPr lang="en-US" dirty="0" smtClean="0"/>
               <a:t>	"_</a:t>
             </a:r>
             <a:r>
-              <a:rPr lang="en-GB" dirty="0"/>
-              <a:t>id": {"state": "$state", "city": "$city</a:t>
-            </a:r>
-            <a:r>
-              <a:rPr lang="en-GB" dirty="0" smtClean="0"/>
-              <a:t>"},</a:t>
-            </a:r>
+              <a:rPr lang="en-US" dirty="0"/>
+              <a:t>id": "$state", </a:t>
+            </a:r>
+            <a:endParaRPr lang="en-US" dirty="0" smtClean="0"/>
           </a:p>
           <a:p>
             <a:pPr marL="0" indent="0">
@@ -6848,15 +7322,19 @@
               <a:buNone/>
             </a:pPr>
             <a:r>
-              <a:rPr lang="en-GB" dirty="0" smtClean="0"/>
-              <a:t> 		"</a:t>
-            </a:r>
-            <a:r>
-              <a:rPr lang="en-GB" dirty="0"/>
-              <a:t>population": {"$sum": "$pop</a:t>
-            </a:r>
-            <a:r>
-              <a:rPr lang="en-GB" dirty="0" smtClean="0"/>
+              <a:rPr lang="en-US" dirty="0"/>
+              <a:t>	</a:t>
+            </a:r>
+            <a:r>
+              <a:rPr lang="en-US" dirty="0" smtClean="0"/>
+              <a:t>	"</a:t>
+            </a:r>
+            <a:r>
+              <a:rPr lang="en-US" dirty="0"/>
+              <a:t>people": {"$sum": "$pop</a:t>
+            </a:r>
+            <a:r>
+              <a:rPr lang="en-US" dirty="0" smtClean="0"/>
               <a:t>"}}</a:t>
             </a:r>
           </a:p>
@@ -6868,11 +7346,11 @@
               <a:buNone/>
             </a:pPr>
             <a:r>
-              <a:rPr lang="en-GB" dirty="0"/>
+              <a:rPr lang="en-US" dirty="0"/>
               <a:t>	</a:t>
             </a:r>
             <a:r>
-              <a:rPr lang="en-GB" dirty="0" smtClean="0"/>
+              <a:rPr lang="en-US" dirty="0" smtClean="0"/>
               <a:t>}, </a:t>
             </a:r>
           </a:p>
@@ -6884,19 +7362,19 @@
               <a:buNone/>
             </a:pPr>
             <a:r>
-              <a:rPr lang="en-GB" dirty="0"/>
+              <a:rPr lang="en-US" dirty="0"/>
               <a:t>	</a:t>
             </a:r>
             <a:r>
-              <a:rPr lang="en-GB" dirty="0" smtClean="0"/>
+              <a:rPr lang="en-US" dirty="0" smtClean="0"/>
               <a:t>{"$</a:t>
             </a:r>
             <a:r>
-              <a:rPr lang="en-GB" dirty="0"/>
-              <a:t>group": </a:t>
-            </a:r>
-            <a:r>
-              <a:rPr lang="en-GB" dirty="0" smtClean="0"/>
+              <a:rPr lang="en-US" dirty="0"/>
+              <a:t>match": </a:t>
+            </a:r>
+            <a:r>
+              <a:rPr lang="en-US" dirty="0" smtClean="0"/>
               <a:t>{</a:t>
             </a:r>
           </a:p>
@@ -6908,26 +7386,29 @@
               <a:buNone/>
             </a:pPr>
             <a:r>
-              <a:rPr lang="en-GB" dirty="0"/>
+              <a:rPr lang="en-US" dirty="0"/>
               <a:t>	</a:t>
             </a:r>
             <a:r>
-              <a:rPr lang="en-GB" dirty="0" smtClean="0"/>
-              <a:t>	"_</a:t>
-            </a:r>
-            <a:r>
-              <a:rPr lang="en-GB" dirty="0"/>
-              <a:t>id": "$_</a:t>
-            </a:r>
-            <a:r>
-              <a:rPr lang="en-GB" dirty="0" err="1"/>
-              <a:t>id.state</a:t>
-            </a:r>
-            <a:r>
-              <a:rPr lang="en-GB" dirty="0"/>
-              <a:t>", </a:t>
-            </a:r>
-            <a:endParaRPr lang="en-GB" dirty="0" smtClean="0"/>
+              <a:rPr lang="en-US" dirty="0" smtClean="0"/>
+              <a:t>	"</a:t>
+            </a:r>
+            <a:r>
+              <a:rPr lang="en-US" dirty="0"/>
+              <a:t>people": {"$</a:t>
+            </a:r>
+            <a:r>
+              <a:rPr lang="en-US" dirty="0" err="1"/>
+              <a:t>gt</a:t>
+            </a:r>
+            <a:r>
+              <a:rPr lang="en-US" dirty="0"/>
+              <a:t>": 10000000</a:t>
+            </a:r>
+            <a:r>
+              <a:rPr lang="en-US" dirty="0" smtClean="0"/>
+              <a:t>}}</a:t>
+            </a:r>
           </a:p>
           <a:p>
             <a:pPr marL="0" indent="0">
@@ -6937,32 +7418,12 @@
               <a:buNone/>
             </a:pPr>
             <a:r>
-              <a:rPr lang="en-GB" dirty="0"/>
+              <a:rPr lang="en-US" dirty="0"/>
               <a:t>	</a:t>
             </a:r>
             <a:r>
-              <a:rPr lang="en-GB" dirty="0" smtClean="0"/>
-              <a:t>	"</a:t>
-            </a:r>
-            <a:r>
-              <a:rPr lang="en-GB" dirty="0" err="1"/>
-              <a:t>avgPopulation</a:t>
-            </a:r>
-            <a:r>
-              <a:rPr lang="en-GB" dirty="0"/>
-              <a:t>": {"$</a:t>
-            </a:r>
-            <a:r>
-              <a:rPr lang="en-GB" dirty="0" err="1"/>
-              <a:t>avg</a:t>
-            </a:r>
-            <a:r>
-              <a:rPr lang="en-GB" dirty="0"/>
-              <a:t>": "$population</a:t>
-            </a:r>
-            <a:r>
-              <a:rPr lang="en-GB" dirty="0" smtClean="0"/>
-              <a:t>"}}</a:t>
+              <a:rPr lang="en-US" dirty="0" smtClean="0"/>
+              <a:t>}</a:t>
             </a:r>
           </a:p>
           <a:p>
@@ -6973,36 +7434,17 @@
               <a:buNone/>
             </a:pPr>
             <a:r>
-              <a:rPr lang="en-GB" dirty="0"/>
-              <a:t>	</a:t>
-            </a:r>
-            <a:r>
-              <a:rPr lang="en-GB" dirty="0" smtClean="0"/>
-              <a:t>}</a:t>
-            </a:r>
-          </a:p>
-          <a:p>
-            <a:pPr marL="0" indent="0">
-              <a:spcAft>
-                <a:spcPts val="0"/>
-              </a:spcAft>
-              <a:buNone/>
-            </a:pPr>
-            <a:r>
-              <a:rPr lang="en-GB" dirty="0" smtClean="0"/>
-              <a:t> </a:t>
-            </a:r>
-            <a:r>
-              <a:rPr lang="en-GB" dirty="0"/>
+              <a:rPr lang="en-US" dirty="0" smtClean="0"/>
               <a:t>])</a:t>
             </a:r>
+            <a:endParaRPr lang="en-GB" dirty="0"/>
           </a:p>
         </p:txBody>
       </p:sp>
     </p:spTree>
     <p:extLst>
       <p:ext uri="{BB962C8B-B14F-4D97-AF65-F5344CB8AC3E}">
-        <p14:creationId xmlns:p14="http://schemas.microsoft.com/office/powerpoint/2010/main" val="459294640"/>
+        <p14:creationId xmlns:p14="http://schemas.microsoft.com/office/powerpoint/2010/main" val="2102018986"/>
       </p:ext>
     </p:extLst>
   </p:cSld>
@@ -7046,7 +7488,7 @@
           <a:p>
             <a:r>
               <a:rPr lang="en-GB" dirty="0" smtClean="0"/>
-              <a:t>Largest and smallest cities by state</a:t>
+              <a:t>Average city population by state</a:t>
             </a:r>
             <a:endParaRPr lang="en-GB" dirty="0"/>
           </a:p>
@@ -7091,21 +7533,22 @@
           <a:lstStyle/>
           <a:p>
             <a:r>
-              <a:rPr lang="en-GB" dirty="0" smtClean="0"/>
-              <a:t>Get the population per city and state</a:t>
-            </a:r>
-          </a:p>
-          <a:p>
-            <a:r>
-              <a:rPr lang="en-GB" dirty="0" smtClean="0"/>
-              <a:t>Order the result set by population ascending</a:t>
-            </a:r>
-          </a:p>
-          <a:p>
-            <a:r>
-              <a:rPr lang="en-GB" dirty="0" smtClean="0"/>
-              <a:t>Get the first and last cities from each state</a:t>
-            </a:r>
+              <a:rPr lang="en-GB" dirty="0"/>
+              <a:t>Get the total population per </a:t>
+            </a:r>
+            <a:r>
+              <a:rPr lang="en-GB" dirty="0" smtClean="0"/>
+              <a:t>city in each state</a:t>
+            </a:r>
+          </a:p>
+          <a:p>
+            <a:r>
+              <a:rPr lang="en-GB" dirty="0" smtClean="0"/>
+              <a:t>Get the average of population per city in the state</a:t>
+            </a:r>
+            <a:endParaRPr lang="en-GB" dirty="0"/>
+          </a:p>
+          <a:p>
             <a:endParaRPr lang="en-GB" dirty="0"/>
           </a:p>
         </p:txBody>
@@ -7146,27 +7589,14 @@
         <p:spPr>
           <a:xfrm>
             <a:off x="5806544" y="1262062"/>
-            <a:ext cx="6045029" cy="3309938"/>
+            <a:ext cx="5950027" cy="3030538"/>
           </a:xfrm>
         </p:spPr>
         <p:txBody>
           <a:bodyPr>
-            <a:normAutofit fontScale="70000" lnSpcReduction="20000"/>
+            <a:normAutofit fontScale="92500" lnSpcReduction="20000"/>
           </a:bodyPr>
           <a:lstStyle/>
-          <a:p>
-            <a:pPr marL="0" indent="0">
-              <a:buNone/>
-            </a:pPr>
-            <a:r>
-              <a:rPr lang="en-GB" dirty="0" err="1" smtClean="0"/>
-              <a:t>db.zipcodes.aggregate</a:t>
-            </a:r>
-            <a:r>
-              <a:rPr lang="en-GB" dirty="0"/>
-              <a:t>([</a:t>
-            </a:r>
-          </a:p>
           <a:p>
             <a:pPr marL="0" indent="0">
               <a:spcAft>
@@ -7175,8 +7605,12 @@
               <a:buNone/>
             </a:pPr>
             <a:r>
-              <a:rPr lang="en-GB" dirty="0"/>
-              <a:t>	{"$group": {</a:t>
+              <a:rPr lang="en-GB" dirty="0" err="1"/>
+              <a:t>db.zipcodes.aggregate</a:t>
+            </a:r>
+            <a:r>
+              <a:rPr lang="en-GB" dirty="0" smtClean="0"/>
+              <a:t>([</a:t>
             </a:r>
           </a:p>
           <a:p>
@@ -7188,7 +7622,19 @@
             </a:pPr>
             <a:r>
               <a:rPr lang="en-GB" dirty="0"/>
-              <a:t>		"_id": {"state": "$state", "city": "$city"},</a:t>
+              <a:t>	</a:t>
+            </a:r>
+            <a:r>
+              <a:rPr lang="en-GB" dirty="0" smtClean="0"/>
+              <a:t>{"$</a:t>
+            </a:r>
+            <a:r>
+              <a:rPr lang="en-GB" dirty="0"/>
+              <a:t>group": </a:t>
+            </a:r>
+            <a:r>
+              <a:rPr lang="en-GB" dirty="0" smtClean="0"/>
+              <a:t>{</a:t>
             </a:r>
           </a:p>
           <a:p>
@@ -7200,7 +7646,19 @@
             </a:pPr>
             <a:r>
               <a:rPr lang="en-GB" dirty="0"/>
-              <a:t> 		"population": {"$sum": "$pop"}}</a:t>
+              <a:t>	</a:t>
+            </a:r>
+            <a:r>
+              <a:rPr lang="en-GB" dirty="0" smtClean="0"/>
+              <a:t>	"_</a:t>
+            </a:r>
+            <a:r>
+              <a:rPr lang="en-GB" dirty="0"/>
+              <a:t>id": {"state": "$state", "city": "$city</a:t>
+            </a:r>
+            <a:r>
+              <a:rPr lang="en-GB" dirty="0" smtClean="0"/>
+              <a:t>"},</a:t>
             </a:r>
           </a:p>
           <a:p>
@@ -7211,10 +7669,17 @@
               <a:buNone/>
             </a:pPr>
             <a:r>
+              <a:rPr lang="en-GB" dirty="0" smtClean="0"/>
+              <a:t> 		"</a:t>
+            </a:r>
+            <a:r>
               <a:rPr lang="en-GB" dirty="0"/>
-              <a:t>	}, </a:t>
-            </a:r>
-            <a:endParaRPr lang="en-GB" dirty="0" smtClean="0"/>
+              <a:t>population": {"$sum": "$pop</a:t>
+            </a:r>
+            <a:r>
+              <a:rPr lang="en-GB" dirty="0" smtClean="0"/>
+              <a:t>"}}</a:t>
+            </a:r>
           </a:p>
           <a:p>
             <a:pPr marL="0" indent="0">
@@ -7225,9 +7690,12 @@
             </a:pPr>
             <a:r>
               <a:rPr lang="en-GB" dirty="0"/>
-              <a:t>	{"$sort": {"population": 1}}, </a:t>
-            </a:r>
-            <a:endParaRPr lang="en-GB" dirty="0" smtClean="0"/>
+              <a:t>	</a:t>
+            </a:r>
+            <a:r>
+              <a:rPr lang="en-GB" dirty="0" smtClean="0"/>
+              <a:t>}, </a:t>
+            </a:r>
           </a:p>
           <a:p>
             <a:pPr marL="0" indent="0">
@@ -7299,21 +7767,24 @@
             </a:r>
             <a:r>
               <a:rPr lang="en-GB" dirty="0" err="1"/>
-              <a:t>smallestCity</a:t>
+              <a:t>avgPopulation</a:t>
             </a:r>
             <a:r>
               <a:rPr lang="en-GB" dirty="0"/>
-              <a:t>": {"$first": "$_</a:t>
+              <a:t>": {"$</a:t>
             </a:r>
             <a:r>
               <a:rPr lang="en-GB" dirty="0" err="1"/>
-              <a:t>id.city</a:t>
+              <a:t>avg</a:t>
             </a:r>
             <a:r>
               <a:rPr lang="en-GB" dirty="0"/>
-              <a:t>"}, </a:t>
-            </a:r>
-            <a:endParaRPr lang="en-GB" dirty="0" smtClean="0"/>
+              <a:t>": "$population</a:t>
+            </a:r>
+            <a:r>
+              <a:rPr lang="en-GB" dirty="0" smtClean="0"/>
+              <a:t>"}}</a:t>
+            </a:r>
           </a:p>
           <a:p>
             <a:pPr marL="0" indent="0">
@@ -7328,17 +7799,8 @@
             </a:r>
             <a:r>
               <a:rPr lang="en-GB" dirty="0" smtClean="0"/>
-              <a:t>	"</a:t>
-            </a:r>
-            <a:r>
-              <a:rPr lang="en-GB" dirty="0" err="1"/>
-              <a:t>smallestCityPop</a:t>
-            </a:r>
-            <a:r>
-              <a:rPr lang="en-GB" dirty="0"/>
-              <a:t>": {"$first": "$population"}, </a:t>
-            </a:r>
-            <a:endParaRPr lang="en-GB" dirty="0" smtClean="0"/>
+              <a:t>}</a:t>
+            </a:r>
           </a:p>
           <a:p>
             <a:pPr marL="0" indent="0">
@@ -7348,94 +7810,20 @@
               <a:buNone/>
             </a:pPr>
             <a:r>
+              <a:rPr lang="en-GB" dirty="0" smtClean="0"/>
+              <a:t> </a:t>
+            </a:r>
+            <a:r>
               <a:rPr lang="en-GB" dirty="0"/>
-              <a:t>	</a:t>
-            </a:r>
-            <a:r>
-              <a:rPr lang="en-GB" dirty="0" smtClean="0"/>
-              <a:t>	"</a:t>
-            </a:r>
-            <a:r>
-              <a:rPr lang="en-GB" dirty="0" err="1"/>
-              <a:t>biggestCity</a:t>
-            </a:r>
-            <a:r>
-              <a:rPr lang="en-GB" dirty="0"/>
-              <a:t>": {"$last": "$_</a:t>
-            </a:r>
-            <a:r>
-              <a:rPr lang="en-GB" dirty="0" err="1"/>
-              <a:t>id.city</a:t>
-            </a:r>
-            <a:r>
-              <a:rPr lang="en-GB" dirty="0"/>
-              <a:t>"}, </a:t>
-            </a:r>
-            <a:endParaRPr lang="en-GB" dirty="0" smtClean="0"/>
-          </a:p>
-          <a:p>
-            <a:pPr marL="0" indent="0">
-              <a:spcAft>
-                <a:spcPts val="0"/>
-              </a:spcAft>
-              <a:buNone/>
-            </a:pPr>
-            <a:r>
-              <a:rPr lang="en-GB" dirty="0"/>
-              <a:t>	</a:t>
-            </a:r>
-            <a:r>
-              <a:rPr lang="en-GB" dirty="0" smtClean="0"/>
-              <a:t>	"</a:t>
-            </a:r>
-            <a:r>
-              <a:rPr lang="en-GB" dirty="0" err="1"/>
-              <a:t>biggestCityPop</a:t>
-            </a:r>
-            <a:r>
-              <a:rPr lang="en-GB" dirty="0"/>
-              <a:t>": {"$last": "$population</a:t>
-            </a:r>
-            <a:r>
-              <a:rPr lang="en-GB" dirty="0" smtClean="0"/>
-              <a:t>"}}</a:t>
-            </a:r>
-          </a:p>
-          <a:p>
-            <a:pPr marL="0" indent="0">
-              <a:spcAft>
-                <a:spcPts val="0"/>
-              </a:spcAft>
-              <a:buNone/>
-            </a:pPr>
-            <a:r>
-              <a:rPr lang="en-GB" dirty="0"/>
-              <a:t>	</a:t>
-            </a:r>
-            <a:r>
-              <a:rPr lang="en-GB" dirty="0" smtClean="0"/>
-              <a:t>}</a:t>
-            </a:r>
-          </a:p>
-          <a:p>
-            <a:pPr marL="0" indent="0">
-              <a:spcAft>
-                <a:spcPts val="0"/>
-              </a:spcAft>
-              <a:buNone/>
-            </a:pPr>
-            <a:r>
-              <a:rPr lang="en-GB" dirty="0" smtClean="0"/>
               <a:t>])</a:t>
             </a:r>
-            <a:endParaRPr lang="en-GB" dirty="0"/>
           </a:p>
         </p:txBody>
       </p:sp>
     </p:spTree>
     <p:extLst>
       <p:ext uri="{BB962C8B-B14F-4D97-AF65-F5344CB8AC3E}">
-        <p14:creationId xmlns:p14="http://schemas.microsoft.com/office/powerpoint/2010/main" val="85681402"/>
+        <p14:creationId xmlns:p14="http://schemas.microsoft.com/office/powerpoint/2010/main" val="459294640"/>
       </p:ext>
     </p:extLst>
   </p:cSld>

--- a/slides/klasse15.pptx
+++ b/slides/klasse15.pptx
@@ -6416,7 +6416,7 @@
             </a:r>
             <a:r>
               <a:rPr lang="en-GB" dirty="0" smtClean="0"/>
-              <a:t>Creates a projection of the result set to be displayed in the output.</a:t>
+              <a:t>Creates a projection of the result set to be used for the next stage based on a projection expression.</a:t>
             </a:r>
             <a:endParaRPr lang="en-GB" b="1" dirty="0" smtClean="0"/>
           </a:p>
